--- a/Lesson 2/Hear Me Code - Lists and Loops.pptx
+++ b/Lesson 2/Hear Me Code - Lists and Loops.pptx
@@ -11137,7 +11137,7 @@
         <p:spPr>
           <a:xfrm>
             <a:off x="1663700" y="2823023"/>
-            <a:ext cx="5816601" cy="1181101"/>
+            <a:ext cx="5816600" cy="1181101"/>
           </a:xfrm>
           <a:prstGeom prst="rect">
             <a:avLst/>
@@ -11149,7 +11149,7 @@
       </p:pic>
       <p:pic>
         <p:nvPicPr>
-          <p:cNvPr id="222" name="enumerate_2.png" descr="enumerate_2.png"/>
+          <p:cNvPr id="222" name="enumerate-2.png" descr="enumerate-2.png"/>
           <p:cNvPicPr>
             <a:picLocks noChangeAspect="1"/>
           </p:cNvPicPr>
@@ -11165,8 +11165,8 @@
         </p:blipFill>
         <p:spPr>
           <a:xfrm>
-            <a:off x="0" y="4542067"/>
-            <a:ext cx="9144001" cy="937564"/>
+            <a:off x="112364" y="4509918"/>
+            <a:ext cx="8940091" cy="957868"/>
           </a:xfrm>
           <a:prstGeom prst="rect">
             <a:avLst/>

--- a/Lesson 2/Hear Me Code - Lists and Loops.pptx
+++ b/Lesson 2/Hear Me Code - Lists and Loops.pptx
@@ -45,6 +45,7 @@
     <p:sldId id="290" r:id="rId42"/>
     <p:sldId id="291" r:id="rId43"/>
     <p:sldId id="292" r:id="rId44"/>
+    <p:sldId id="293" r:id="rId45"/>
   </p:sldIdLst>
   <p:sldSz cx="9144000" cy="6858000"/>
   <p:notesSz cx="6858000" cy="9144000"/>
@@ -2133,6 +2134,82 @@
             <a:pPr/>
             <a:r>
               <a:t>Use Control+C (not Command+C) to break out of an infinite loop.</a:t>
+            </a:r>
+          </a:p>
+        </p:txBody>
+      </p:sp>
+    </p:spTree>
+  </p:cSld>
+  <p:clrMapOvr>
+    <a:masterClrMapping/>
+  </p:clrMapOvr>
+</p:notes>
+</file>
+
+<file path=ppt/notesSlides/notesSlide28.xml><?xml version="1.0" encoding="utf-8"?>
+<p:notes xmlns:a="http://schemas.openxmlformats.org/drawingml/2006/main" xmlns:r="http://schemas.openxmlformats.org/officeDocument/2006/relationships" xmlns:p="http://schemas.openxmlformats.org/presentationml/2006/main" showMasterSp="1" showMasterPhAnim="1">
+  <p:cSld>
+    <p:spTree>
+      <p:nvGrpSpPr>
+        <p:cNvPr id="1" name=""/>
+        <p:cNvGrpSpPr/>
+        <p:nvPr/>
+      </p:nvGrpSpPr>
+      <p:grpSpPr>
+        <a:xfrm>
+          <a:off x="0" y="0"/>
+          <a:ext cx="0" cy="0"/>
+          <a:chOff x="0" y="0"/>
+          <a:chExt cx="0" cy="0"/>
+        </a:xfrm>
+      </p:grpSpPr>
+      <p:sp>
+        <p:nvSpPr>
+          <p:cNvPr id="248" name="Shape 248"/>
+          <p:cNvSpPr/>
+          <p:nvPr>
+            <p:ph type="sldImg"/>
+          </p:nvPr>
+        </p:nvSpPr>
+        <p:spPr>
+          <a:prstGeom prst="rect">
+            <a:avLst/>
+          </a:prstGeom>
+        </p:spPr>
+        <p:txBody>
+          <a:bodyPr/>
+          <a:lstStyle/>
+          <a:p>
+            <a:pPr/>
+          </a:p>
+        </p:txBody>
+      </p:sp>
+      <p:sp>
+        <p:nvSpPr>
+          <p:cNvPr id="249" name="Shape 249"/>
+          <p:cNvSpPr/>
+          <p:nvPr>
+            <p:ph type="body" sz="quarter" idx="1"/>
+          </p:nvPr>
+        </p:nvSpPr>
+        <p:spPr>
+          <a:prstGeom prst="rect">
+            <a:avLst/>
+          </a:prstGeom>
+        </p:spPr>
+        <p:txBody>
+          <a:bodyPr/>
+          <a:lstStyle/>
+          <a:p>
+            <a:pPr/>
+            <a:r>
+              <a:t>If there are other vetted demos from teaching assistants, this is a good time for them. Keep them short. If there are no other demos, just do these two.</a:t>
+            </a:r>
+          </a:p>
+          <a:p>
+            <a:pPr/>
+            <a:r>
+              <a:t>If Shannon is there, have her give these demos.</a:t>
             </a:r>
           </a:p>
         </p:txBody>
@@ -12033,7 +12110,7 @@
       </p:grpSpPr>
       <p:sp>
         <p:nvSpPr>
-          <p:cNvPr id="245" name="On my Github's python-lessons repo, in the playtime folder:…"/>
+          <p:cNvPr id="245" name="Lists and loops make your programs flexible and powerful.…"/>
           <p:cNvSpPr txBox="1"/>
           <p:nvPr>
             <p:ph type="body" idx="1"/>
@@ -12065,24 +12142,7 @@
               </a:defRPr>
             </a:pPr>
             <a:r>
-              <a:t>On my Github's </a:t>
-            </a:r>
-            <a:r>
-              <a:rPr b="1" u="sng">
-                <a:solidFill>
-                  <a:srgbClr val="0000FF"/>
-                </a:solidFill>
-                <a:uFill>
-                  <a:solidFill>
-                    <a:srgbClr val="0000FF"/>
-                  </a:solidFill>
-                </a:uFill>
-                <a:hlinkClick r:id="rId2" invalidUrl="" action="" tgtFrame="" tooltip="" history="1" highlightClick="0" endSnd="0"/>
-              </a:rPr>
-              <a:t>python-lessons</a:t>
-            </a:r>
-            <a:r>
-              <a:t> repo, in the playtime folder:</a:t>
+              <a:t>Lists and loops make your programs flexible and powerful.</a:t>
             </a:r>
           </a:p>
           <a:p>
@@ -12093,21 +12153,6 @@
               <a:buSzTx/>
               <a:buFontTx/>
               <a:buNone/>
-              <a:defRPr b="1" sz="2800">
-                <a:latin typeface="Courier New"/>
-                <a:ea typeface="Courier New"/>
-                <a:cs typeface="Courier New"/>
-                <a:sym typeface="Courier New"/>
-              </a:defRPr>
-            </a:pPr>
-          </a:p>
-          <a:p>
-            <a:pPr lvl="1" marL="661736" indent="-280736">
-              <a:spcBef>
-                <a:spcPts val="600"/>
-              </a:spcBef>
-              <a:buFontTx/>
-              <a:buChar char="•"/>
               <a:defRPr sz="2800">
                 <a:latin typeface="+mn-lt"/>
                 <a:ea typeface="+mn-ea"/>
@@ -12115,9 +12160,39 @@
                 <a:sym typeface="Century Gothic"/>
               </a:defRPr>
             </a:pPr>
-            <a:r>
-              <a:t>Beginner: </a:t>
-            </a:r>
+          </a:p>
+          <a:p>
+            <a:pPr marL="0" indent="0">
+              <a:spcBef>
+                <a:spcPts val="600"/>
+              </a:spcBef>
+              <a:buSzTx/>
+              <a:buFontTx/>
+              <a:buNone/>
+              <a:defRPr sz="2800">
+                <a:latin typeface="+mn-lt"/>
+                <a:ea typeface="+mn-ea"/>
+                <a:cs typeface="+mn-cs"/>
+                <a:sym typeface="Century Gothic"/>
+              </a:defRPr>
+            </a:pPr>
+            <a:r>
+              <a:t>Here are a few examples:</a:t>
+            </a:r>
+          </a:p>
+          <a:p>
+            <a:pPr marL="381000" indent="-381000">
+              <a:spcBef>
+                <a:spcPts val="600"/>
+              </a:spcBef>
+              <a:buFontTx/>
+              <a:defRPr sz="2800">
+                <a:latin typeface="+mn-lt"/>
+                <a:ea typeface="+mn-ea"/>
+                <a:cs typeface="+mn-cs"/>
+                <a:sym typeface="Century Gothic"/>
+              </a:defRPr>
+            </a:pPr>
             <a:r>
               <a:rPr u="sng">
                 <a:solidFill>
@@ -12130,25 +12205,10 @@
                 </a:uFill>
                 <a:hlinkClick r:id="rId3" invalidUrl="" action="" tgtFrame="" tooltip="" history="1" highlightClick="0" endSnd="0"/>
               </a:rPr>
-              <a:t>PB&amp;J While Loop</a:t>
-            </a:r>
-          </a:p>
-          <a:p>
-            <a:pPr lvl="1" marL="661736" indent="-280736">
-              <a:spcBef>
-                <a:spcPts val="600"/>
-              </a:spcBef>
-              <a:buFontTx/>
-              <a:buChar char="•"/>
-              <a:defRPr sz="2800">
-                <a:latin typeface="+mn-lt"/>
-                <a:ea typeface="+mn-ea"/>
-                <a:cs typeface="+mn-cs"/>
-                <a:sym typeface="Century Gothic"/>
-              </a:defRPr>
-            </a:pPr>
-            <a:r>
-              <a:t>Beginner: </a:t>
+              <a:t>Looping through every row in a spreadsheet</a:t>
+            </a:r>
+            <a:r>
+              <a:t>, and using the data to </a:t>
             </a:r>
             <a:r>
               <a:rPr u="sng">
@@ -12162,16 +12222,15 @@
                 </a:uFill>
                 <a:hlinkClick r:id="rId4" invalidUrl="" action="" tgtFrame="" tooltip="" history="1" highlightClick="0" endSnd="0"/>
               </a:rPr>
-              <a:t>99 bottles of beer on the wall</a:t>
-            </a:r>
-          </a:p>
-          <a:p>
-            <a:pPr lvl="1" marL="661736" indent="-280736">
+              <a:t>add pins to a map</a:t>
+            </a:r>
+          </a:p>
+          <a:p>
+            <a:pPr marL="381000" indent="-381000">
               <a:spcBef>
                 <a:spcPts val="600"/>
               </a:spcBef>
               <a:buFontTx/>
-              <a:buChar char="•"/>
               <a:defRPr sz="2800">
                 <a:latin typeface="+mn-lt"/>
                 <a:ea typeface="+mn-ea"/>
@@ -12180,7 +12239,7 @@
               </a:defRPr>
             </a:pPr>
             <a:r>
-              <a:t>Intermediate: </a:t>
+              <a:t>When a search is performed, </a:t>
             </a:r>
             <a:r>
               <a:rPr u="sng">
@@ -12194,10 +12253,24 @@
                 </a:uFill>
                 <a:hlinkClick r:id="rId5" invalidUrl="" action="" tgtFrame="" tooltip="" history="1" highlightClick="0" endSnd="0"/>
               </a:rPr>
-              <a:t>States Drop-down menu</a:t>
-            </a:r>
-            <a:r>
-              <a:t> </a:t>
+              <a:t>add the results to our database</a:t>
+            </a:r>
+            <a:r>
+              <a:t> if we don't </a:t>
+            </a:r>
+            <a:r>
+              <a:rPr u="sng">
+                <a:solidFill>
+                  <a:srgbClr val="0000FF"/>
+                </a:solidFill>
+                <a:uFill>
+                  <a:solidFill>
+                    <a:srgbClr val="0000FF"/>
+                  </a:solidFill>
+                </a:uFill>
+                <a:hlinkClick r:id="rId6" invalidUrl="" action="" tgtFrame="" tooltip="" history="1" highlightClick="0" endSnd="0"/>
+              </a:rPr>
+              <a:t>already have it</a:t>
             </a:r>
           </a:p>
         </p:txBody>
@@ -12235,7 +12308,7 @@
       </p:sp>
       <p:sp>
         <p:nvSpPr>
-          <p:cNvPr id="247" name="EXERCISES"/>
+          <p:cNvPr id="247" name="What can I do with This?"/>
           <p:cNvSpPr/>
           <p:nvPr/>
         </p:nvSpPr>
@@ -12281,7 +12354,7 @@
           <a:p>
             <a:pPr/>
             <a:r>
-              <a:t>EXERCISES</a:t>
+              <a:t>What can I do with This?</a:t>
             </a:r>
           </a:p>
         </p:txBody>
@@ -12314,7 +12387,288 @@
       </p:grpSpPr>
       <p:sp>
         <p:nvSpPr>
-          <p:cNvPr id="249" name="All about Lists…"/>
+          <p:cNvPr id="251" name="On my Github's python-lessons repo, in the playtime folder:…"/>
+          <p:cNvSpPr txBox="1"/>
+          <p:nvPr>
+            <p:ph type="body" idx="1"/>
+          </p:nvPr>
+        </p:nvSpPr>
+        <p:spPr>
+          <a:prstGeom prst="rect">
+            <a:avLst/>
+          </a:prstGeom>
+        </p:spPr>
+        <p:txBody>
+          <a:bodyPr>
+            <a:normAutofit fontScale="100000" lnSpcReduction="0"/>
+          </a:bodyPr>
+          <a:lstStyle/>
+          <a:p>
+            <a:pPr marL="0" indent="0">
+              <a:spcBef>
+                <a:spcPts val="600"/>
+              </a:spcBef>
+              <a:buSzTx/>
+              <a:buFontTx/>
+              <a:buNone/>
+              <a:defRPr sz="2800">
+                <a:latin typeface="+mn-lt"/>
+                <a:ea typeface="+mn-ea"/>
+                <a:cs typeface="+mn-cs"/>
+                <a:sym typeface="Century Gothic"/>
+              </a:defRPr>
+            </a:pPr>
+            <a:r>
+              <a:t>On my Github's </a:t>
+            </a:r>
+            <a:r>
+              <a:rPr b="1" u="sng">
+                <a:solidFill>
+                  <a:srgbClr val="0000FF"/>
+                </a:solidFill>
+                <a:uFill>
+                  <a:solidFill>
+                    <a:srgbClr val="0000FF"/>
+                  </a:solidFill>
+                </a:uFill>
+                <a:hlinkClick r:id="rId2" invalidUrl="" action="" tgtFrame="" tooltip="" history="1" highlightClick="0" endSnd="0"/>
+              </a:rPr>
+              <a:t>python-lessons</a:t>
+            </a:r>
+            <a:r>
+              <a:t> repo, in the playtime folder:</a:t>
+            </a:r>
+          </a:p>
+          <a:p>
+            <a:pPr marL="0" indent="0">
+              <a:spcBef>
+                <a:spcPts val="600"/>
+              </a:spcBef>
+              <a:buSzTx/>
+              <a:buFontTx/>
+              <a:buNone/>
+              <a:defRPr b="1" sz="2800">
+                <a:latin typeface="Courier New"/>
+                <a:ea typeface="Courier New"/>
+                <a:cs typeface="Courier New"/>
+                <a:sym typeface="Courier New"/>
+              </a:defRPr>
+            </a:pPr>
+          </a:p>
+          <a:p>
+            <a:pPr lvl="1" marL="661736" indent="-280736">
+              <a:spcBef>
+                <a:spcPts val="600"/>
+              </a:spcBef>
+              <a:buFontTx/>
+              <a:buChar char="•"/>
+              <a:defRPr sz="2800">
+                <a:latin typeface="+mn-lt"/>
+                <a:ea typeface="+mn-ea"/>
+                <a:cs typeface="+mn-cs"/>
+                <a:sym typeface="Century Gothic"/>
+              </a:defRPr>
+            </a:pPr>
+            <a:r>
+              <a:t>Beginner: </a:t>
+            </a:r>
+            <a:r>
+              <a:rPr u="sng">
+                <a:solidFill>
+                  <a:srgbClr val="0000FF"/>
+                </a:solidFill>
+                <a:uFill>
+                  <a:solidFill>
+                    <a:srgbClr val="0000FF"/>
+                  </a:solidFill>
+                </a:uFill>
+                <a:hlinkClick r:id="rId3" invalidUrl="" action="" tgtFrame="" tooltip="" history="1" highlightClick="0" endSnd="0"/>
+              </a:rPr>
+              <a:t>PB&amp;J While Loop</a:t>
+            </a:r>
+          </a:p>
+          <a:p>
+            <a:pPr lvl="1" marL="661736" indent="-280736">
+              <a:spcBef>
+                <a:spcPts val="600"/>
+              </a:spcBef>
+              <a:buFontTx/>
+              <a:buChar char="•"/>
+              <a:defRPr sz="2800">
+                <a:latin typeface="+mn-lt"/>
+                <a:ea typeface="+mn-ea"/>
+                <a:cs typeface="+mn-cs"/>
+                <a:sym typeface="Century Gothic"/>
+              </a:defRPr>
+            </a:pPr>
+            <a:r>
+              <a:t>Beginner: </a:t>
+            </a:r>
+            <a:r>
+              <a:rPr u="sng">
+                <a:solidFill>
+                  <a:srgbClr val="0000FF"/>
+                </a:solidFill>
+                <a:uFill>
+                  <a:solidFill>
+                    <a:srgbClr val="0000FF"/>
+                  </a:solidFill>
+                </a:uFill>
+                <a:hlinkClick r:id="rId4" invalidUrl="" action="" tgtFrame="" tooltip="" history="1" highlightClick="0" endSnd="0"/>
+              </a:rPr>
+              <a:t>99 bottles of beer on the wall</a:t>
+            </a:r>
+          </a:p>
+          <a:p>
+            <a:pPr lvl="1" marL="661736" indent="-280736">
+              <a:spcBef>
+                <a:spcPts val="600"/>
+              </a:spcBef>
+              <a:buFontTx/>
+              <a:buChar char="•"/>
+              <a:defRPr sz="2800">
+                <a:latin typeface="+mn-lt"/>
+                <a:ea typeface="+mn-ea"/>
+                <a:cs typeface="+mn-cs"/>
+                <a:sym typeface="Century Gothic"/>
+              </a:defRPr>
+            </a:pPr>
+            <a:r>
+              <a:t>Intermediate: </a:t>
+            </a:r>
+            <a:r>
+              <a:rPr u="sng">
+                <a:solidFill>
+                  <a:srgbClr val="0000FF"/>
+                </a:solidFill>
+                <a:uFill>
+                  <a:solidFill>
+                    <a:srgbClr val="0000FF"/>
+                  </a:solidFill>
+                </a:uFill>
+                <a:hlinkClick r:id="rId5" invalidUrl="" action="" tgtFrame="" tooltip="" history="1" highlightClick="0" endSnd="0"/>
+              </a:rPr>
+              <a:t>States Drop-down menu</a:t>
+            </a:r>
+            <a:r>
+              <a:t> </a:t>
+            </a:r>
+          </a:p>
+        </p:txBody>
+      </p:sp>
+      <p:sp>
+        <p:nvSpPr>
+          <p:cNvPr id="252" name="Slide Number"/>
+          <p:cNvSpPr txBox="1"/>
+          <p:nvPr>
+            <p:ph type="sldNum" sz="quarter" idx="2"/>
+          </p:nvPr>
+        </p:nvSpPr>
+        <p:spPr>
+          <a:xfrm>
+            <a:off x="5702300" y="6419053"/>
+            <a:ext cx="2133600" cy="368301"/>
+          </a:xfrm>
+          <a:prstGeom prst="rect">
+            <a:avLst/>
+          </a:prstGeom>
+          <a:extLst>
+            <a:ext uri="{C572A759-6A51-4108-AA02-DFA0A04FC94B}">
+              <ma14:wrappingTextBoxFlag xmlns:ma14="http://schemas.microsoft.com/office/mac/drawingml/2011/main" val="1"/>
+            </a:ext>
+          </a:extLst>
+        </p:spPr>
+        <p:txBody>
+          <a:bodyPr/>
+          <a:lstStyle/>
+          <a:p>
+            <a:pPr/>
+            <a:fld id="{86CB4B4D-7CA3-9044-876B-883B54F8677D}" type="slidenum"/>
+          </a:p>
+        </p:txBody>
+      </p:sp>
+      <p:sp>
+        <p:nvSpPr>
+          <p:cNvPr id="253" name="EXERCISES"/>
+          <p:cNvSpPr/>
+          <p:nvPr/>
+        </p:nvSpPr>
+        <p:spPr>
+          <a:xfrm>
+            <a:off x="0" y="206107"/>
+            <a:ext cx="8686800" cy="812483"/>
+          </a:xfrm>
+          <a:prstGeom prst="rect">
+            <a:avLst/>
+          </a:prstGeom>
+          <a:solidFill>
+            <a:srgbClr val="FFFFFF">
+              <a:alpha val="70000"/>
+            </a:srgbClr>
+          </a:solidFill>
+          <a:ln w="12700">
+            <a:miter lim="400000"/>
+          </a:ln>
+          <a:extLst>
+            <a:ext uri="{C572A759-6A51-4108-AA02-DFA0A04FC94B}">
+              <ma14:wrappingTextBoxFlag xmlns:ma14="http://schemas.microsoft.com/office/mac/drawingml/2011/main" val="1"/>
+            </a:ext>
+          </a:extLst>
+        </p:spPr>
+        <p:txBody>
+          <a:bodyPr tIns="91439" bIns="91439" anchor="ctr">
+            <a:normAutofit fontScale="100000" lnSpcReduction="0"/>
+          </a:bodyPr>
+          <a:lstStyle>
+            <a:lvl1pPr>
+              <a:spcBef>
+                <a:spcPts val="900"/>
+              </a:spcBef>
+              <a:defRPr cap="all" sz="4000">
+                <a:latin typeface="+mn-lt"/>
+                <a:ea typeface="+mn-ea"/>
+                <a:cs typeface="+mn-cs"/>
+                <a:sym typeface="Century Gothic"/>
+              </a:defRPr>
+            </a:lvl1pPr>
+          </a:lstStyle>
+          <a:p>
+            <a:pPr/>
+            <a:r>
+              <a:t>EXERCISES</a:t>
+            </a:r>
+          </a:p>
+        </p:txBody>
+      </p:sp>
+    </p:spTree>
+  </p:cSld>
+  <p:clrMapOvr>
+    <a:masterClrMapping/>
+  </p:clrMapOvr>
+  <p:transition xmlns:p14="http://schemas.microsoft.com/office/powerpoint/2010/main" spd="med" advClick="1"/>
+</p:sld>
+</file>
+
+<file path=ppt/slides/slide38.xml><?xml version="1.0" encoding="utf-8"?>
+<p:sld xmlns:a="http://schemas.openxmlformats.org/drawingml/2006/main" xmlns:r="http://schemas.openxmlformats.org/officeDocument/2006/relationships" xmlns:p="http://schemas.openxmlformats.org/presentationml/2006/main" showMasterSp="1" showMasterPhAnim="1">
+  <p:cSld>
+    <p:spTree>
+      <p:nvGrpSpPr>
+        <p:cNvPr id="1" name=""/>
+        <p:cNvGrpSpPr/>
+        <p:nvPr/>
+      </p:nvGrpSpPr>
+      <p:grpSpPr>
+        <a:xfrm>
+          <a:off x="0" y="0"/>
+          <a:ext cx="0" cy="0"/>
+          <a:chOff x="0" y="0"/>
+          <a:chExt cx="0" cy="0"/>
+        </a:xfrm>
+      </p:grpSpPr>
+      <p:sp>
+        <p:nvSpPr>
+          <p:cNvPr id="255" name="All about Lists…"/>
           <p:cNvSpPr txBox="1"/>
           <p:nvPr>
             <p:ph type="body" idx="1"/>
@@ -12481,7 +12835,7 @@
       </p:sp>
       <p:sp>
         <p:nvSpPr>
-          <p:cNvPr id="250" name="Slide Number"/>
+          <p:cNvPr id="256" name="Slide Number"/>
           <p:cNvSpPr txBox="1"/>
           <p:nvPr>
             <p:ph type="sldNum" sz="quarter" idx="2"/>
@@ -12512,7 +12866,7 @@
       </p:sp>
       <p:sp>
         <p:nvSpPr>
-          <p:cNvPr id="251" name="Code samples"/>
+          <p:cNvPr id="257" name="Code samples"/>
           <p:cNvSpPr/>
           <p:nvPr/>
         </p:nvSpPr>
